--- a/Team wrap-around.pptx
+++ b/Team wrap-around.pptx
@@ -6,11 +6,13 @@
   </p:sldMasterIdLst>
   <p:sldIdLst>
     <p:sldId id="256" r:id="rId2"/>
-    <p:sldId id="257" r:id="rId3"/>
-    <p:sldId id="258" r:id="rId4"/>
-    <p:sldId id="259" r:id="rId5"/>
-    <p:sldId id="260" r:id="rId6"/>
-    <p:sldId id="261" r:id="rId7"/>
+    <p:sldId id="262" r:id="rId3"/>
+    <p:sldId id="263" r:id="rId4"/>
+    <p:sldId id="257" r:id="rId5"/>
+    <p:sldId id="258" r:id="rId6"/>
+    <p:sldId id="259" r:id="rId7"/>
+    <p:sldId id="260" r:id="rId8"/>
+    <p:sldId id="261" r:id="rId9"/>
   </p:sldIdLst>
   <p:sldSz cx="12192000" cy="6858000"/>
   <p:notesSz cx="6858000" cy="9144000"/>
@@ -5865,7 +5867,7 @@
           <p:cNvPr id="2" name="Title 1">
             <a:extLst>
               <a:ext uri="{FF2B5EF4-FFF2-40B4-BE49-F238E27FC236}">
-                <a16:creationId xmlns:a16="http://schemas.microsoft.com/office/drawing/2014/main" id="{FBEA9804-B2BB-DB51-40E6-6A565757020F}"/>
+                <a16:creationId xmlns:a16="http://schemas.microsoft.com/office/drawing/2014/main" id="{46D17A3E-21D7-1A51-5203-7EF00AB58685}"/>
               </a:ext>
             </a:extLst>
           </p:cNvPr>
@@ -5883,7 +5885,7 @@
           <a:p>
             <a:r>
               <a:rPr lang="en-US" dirty="0"/>
-              <a:t>Dashboard</a:t>
+              <a:t>Problem statement</a:t>
             </a:r>
           </a:p>
         </p:txBody>
@@ -5893,7 +5895,7 @@
           <p:cNvPr id="3" name="Content Placeholder 2">
             <a:extLst>
               <a:ext uri="{FF2B5EF4-FFF2-40B4-BE49-F238E27FC236}">
-                <a16:creationId xmlns:a16="http://schemas.microsoft.com/office/drawing/2014/main" id="{AA987202-E021-7B37-BC86-EAA460827A75}"/>
+                <a16:creationId xmlns:a16="http://schemas.microsoft.com/office/drawing/2014/main" id="{CC4DDC99-654B-E0FF-46A4-667C30E291D9}"/>
               </a:ext>
             </a:extLst>
           </p:cNvPr>
@@ -5909,14 +5911,20 @@
           <a:bodyPr/>
           <a:lstStyle/>
           <a:p>
-            <a:endParaRPr lang="en-US"/>
+            <a:pPr marL="0" indent="0">
+              <a:buNone/>
+            </a:pPr>
+            <a:r>
+              <a:rPr lang="en-US" dirty="0"/>
+              <a:t> </a:t>
+            </a:r>
           </a:p>
         </p:txBody>
       </p:sp>
     </p:spTree>
     <p:extLst>
       <p:ext uri="{BB962C8B-B14F-4D97-AF65-F5344CB8AC3E}">
-        <p14:creationId xmlns:p14="http://schemas.microsoft.com/office/powerpoint/2010/main" val="3115062224"/>
+        <p14:creationId xmlns:p14="http://schemas.microsoft.com/office/powerpoint/2010/main" val="4000753928"/>
       </p:ext>
     </p:extLst>
   </p:cSld>
@@ -5948,7 +5956,7 @@
           <p:cNvPr id="2" name="Title 1">
             <a:extLst>
               <a:ext uri="{FF2B5EF4-FFF2-40B4-BE49-F238E27FC236}">
-                <a16:creationId xmlns:a16="http://schemas.microsoft.com/office/drawing/2014/main" id="{B243BA4F-9577-643B-C2D2-3AD74F92C021}"/>
+                <a16:creationId xmlns:a16="http://schemas.microsoft.com/office/drawing/2014/main" id="{46D17A3E-21D7-1A51-5203-7EF00AB58685}"/>
               </a:ext>
             </a:extLst>
           </p:cNvPr>
@@ -5966,7 +5974,7 @@
           <a:p>
             <a:r>
               <a:rPr lang="en-US" dirty="0"/>
-              <a:t>Create Service</a:t>
+              <a:t>Our approach</a:t>
             </a:r>
           </a:p>
         </p:txBody>
@@ -5976,7 +5984,7 @@
           <p:cNvPr id="3" name="Content Placeholder 2">
             <a:extLst>
               <a:ext uri="{FF2B5EF4-FFF2-40B4-BE49-F238E27FC236}">
-                <a16:creationId xmlns:a16="http://schemas.microsoft.com/office/drawing/2014/main" id="{08E302F4-20A2-CADB-40B5-435C34BD09CE}"/>
+                <a16:creationId xmlns:a16="http://schemas.microsoft.com/office/drawing/2014/main" id="{CC4DDC99-654B-E0FF-46A4-667C30E291D9}"/>
               </a:ext>
             </a:extLst>
           </p:cNvPr>
@@ -5992,14 +6000,45 @@
           <a:bodyPr/>
           <a:lstStyle/>
           <a:p>
-            <a:endParaRPr lang="en-US"/>
+            <a:r>
+              <a:rPr lang="en-US" dirty="0"/>
+              <a:t>We’re creating a dashboard where we will display Case Management Needs along with Service providers</a:t>
+            </a:r>
+          </a:p>
+          <a:p>
+            <a:r>
+              <a:rPr lang="en-US" dirty="0"/>
+              <a:t>We will provide option to modify the service provider list</a:t>
+            </a:r>
+          </a:p>
+          <a:p>
+            <a:r>
+              <a:rPr lang="en-US" dirty="0"/>
+              <a:t>We are going to maintain Notification History page where we can see all the notification gone to service provider and there we will have option to send the reminder to Service provider</a:t>
+            </a:r>
+          </a:p>
+          <a:p>
+            <a:r>
+              <a:rPr lang="en-US" dirty="0"/>
+              <a:t>The dashboard page will also be having details to create new entries</a:t>
+            </a:r>
+          </a:p>
+          <a:p>
+            <a:r>
+              <a:rPr lang="en-US" dirty="0"/>
+              <a:t>We will also be providing option to generate the report for both Opiate Stats and </a:t>
+            </a:r>
+            <a:r>
+              <a:rPr lang="en-US"/>
+              <a:t>Program Outcome</a:t>
+            </a:r>
           </a:p>
         </p:txBody>
       </p:sp>
     </p:spTree>
     <p:extLst>
       <p:ext uri="{BB962C8B-B14F-4D97-AF65-F5344CB8AC3E}">
-        <p14:creationId xmlns:p14="http://schemas.microsoft.com/office/powerpoint/2010/main" val="1506411811"/>
+        <p14:creationId xmlns:p14="http://schemas.microsoft.com/office/powerpoint/2010/main" val="1963492023"/>
       </p:ext>
     </p:extLst>
   </p:cSld>
@@ -6031,7 +6070,7 @@
           <p:cNvPr id="2" name="Title 1">
             <a:extLst>
               <a:ext uri="{FF2B5EF4-FFF2-40B4-BE49-F238E27FC236}">
-                <a16:creationId xmlns:a16="http://schemas.microsoft.com/office/drawing/2014/main" id="{D4721098-43BC-4401-EF00-E5222ECDC438}"/>
+                <a16:creationId xmlns:a16="http://schemas.microsoft.com/office/drawing/2014/main" id="{FBEA9804-B2BB-DB51-40E6-6A565757020F}"/>
               </a:ext>
             </a:extLst>
           </p:cNvPr>
@@ -6049,7 +6088,7 @@
           <a:p>
             <a:r>
               <a:rPr lang="en-US" dirty="0"/>
-              <a:t>Modify service provider</a:t>
+              <a:t>Dashboard</a:t>
             </a:r>
           </a:p>
         </p:txBody>
@@ -6059,7 +6098,7 @@
           <p:cNvPr id="3" name="Content Placeholder 2">
             <a:extLst>
               <a:ext uri="{FF2B5EF4-FFF2-40B4-BE49-F238E27FC236}">
-                <a16:creationId xmlns:a16="http://schemas.microsoft.com/office/drawing/2014/main" id="{F0930161-8A19-37F6-4A7E-3E95B9D58358}"/>
+                <a16:creationId xmlns:a16="http://schemas.microsoft.com/office/drawing/2014/main" id="{AA987202-E021-7B37-BC86-EAA460827A75}"/>
               </a:ext>
             </a:extLst>
           </p:cNvPr>
@@ -6082,7 +6121,7 @@
     </p:spTree>
     <p:extLst>
       <p:ext uri="{BB962C8B-B14F-4D97-AF65-F5344CB8AC3E}">
-        <p14:creationId xmlns:p14="http://schemas.microsoft.com/office/powerpoint/2010/main" val="4032715547"/>
+        <p14:creationId xmlns:p14="http://schemas.microsoft.com/office/powerpoint/2010/main" val="3115062224"/>
       </p:ext>
     </p:extLst>
   </p:cSld>
@@ -6114,6 +6153,172 @@
           <p:cNvPr id="2" name="Title 1">
             <a:extLst>
               <a:ext uri="{FF2B5EF4-FFF2-40B4-BE49-F238E27FC236}">
+                <a16:creationId xmlns:a16="http://schemas.microsoft.com/office/drawing/2014/main" id="{B243BA4F-9577-643B-C2D2-3AD74F92C021}"/>
+              </a:ext>
+            </a:extLst>
+          </p:cNvPr>
+          <p:cNvSpPr>
+            <a:spLocks noGrp="1"/>
+          </p:cNvSpPr>
+          <p:nvPr>
+            <p:ph type="title"/>
+          </p:nvPr>
+        </p:nvSpPr>
+        <p:spPr/>
+        <p:txBody>
+          <a:bodyPr/>
+          <a:lstStyle/>
+          <a:p>
+            <a:r>
+              <a:rPr lang="en-US" dirty="0"/>
+              <a:t>Create Service</a:t>
+            </a:r>
+          </a:p>
+        </p:txBody>
+      </p:sp>
+      <p:sp>
+        <p:nvSpPr>
+          <p:cNvPr id="3" name="Content Placeholder 2">
+            <a:extLst>
+              <a:ext uri="{FF2B5EF4-FFF2-40B4-BE49-F238E27FC236}">
+                <a16:creationId xmlns:a16="http://schemas.microsoft.com/office/drawing/2014/main" id="{08E302F4-20A2-CADB-40B5-435C34BD09CE}"/>
+              </a:ext>
+            </a:extLst>
+          </p:cNvPr>
+          <p:cNvSpPr>
+            <a:spLocks noGrp="1"/>
+          </p:cNvSpPr>
+          <p:nvPr>
+            <p:ph idx="1"/>
+          </p:nvPr>
+        </p:nvSpPr>
+        <p:spPr/>
+        <p:txBody>
+          <a:bodyPr/>
+          <a:lstStyle/>
+          <a:p>
+            <a:endParaRPr lang="en-US"/>
+          </a:p>
+        </p:txBody>
+      </p:sp>
+    </p:spTree>
+    <p:extLst>
+      <p:ext uri="{BB962C8B-B14F-4D97-AF65-F5344CB8AC3E}">
+        <p14:creationId xmlns:p14="http://schemas.microsoft.com/office/powerpoint/2010/main" val="1506411811"/>
+      </p:ext>
+    </p:extLst>
+  </p:cSld>
+  <p:clrMapOvr>
+    <a:masterClrMapping/>
+  </p:clrMapOvr>
+</p:sld>
+</file>
+
+<file path=ppt/slides/slide6.xml><?xml version="1.0" encoding="utf-8"?>
+<p:sld xmlns:a="http://schemas.openxmlformats.org/drawingml/2006/main" xmlns:r="http://schemas.openxmlformats.org/officeDocument/2006/relationships" xmlns:p="http://schemas.openxmlformats.org/presentationml/2006/main">
+  <p:cSld>
+    <p:spTree>
+      <p:nvGrpSpPr>
+        <p:cNvPr id="1" name=""/>
+        <p:cNvGrpSpPr/>
+        <p:nvPr/>
+      </p:nvGrpSpPr>
+      <p:grpSpPr>
+        <a:xfrm>
+          <a:off x="0" y="0"/>
+          <a:ext cx="0" cy="0"/>
+          <a:chOff x="0" y="0"/>
+          <a:chExt cx="0" cy="0"/>
+        </a:xfrm>
+      </p:grpSpPr>
+      <p:sp>
+        <p:nvSpPr>
+          <p:cNvPr id="2" name="Title 1">
+            <a:extLst>
+              <a:ext uri="{FF2B5EF4-FFF2-40B4-BE49-F238E27FC236}">
+                <a16:creationId xmlns:a16="http://schemas.microsoft.com/office/drawing/2014/main" id="{D4721098-43BC-4401-EF00-E5222ECDC438}"/>
+              </a:ext>
+            </a:extLst>
+          </p:cNvPr>
+          <p:cNvSpPr>
+            <a:spLocks noGrp="1"/>
+          </p:cNvSpPr>
+          <p:nvPr>
+            <p:ph type="title"/>
+          </p:nvPr>
+        </p:nvSpPr>
+        <p:spPr/>
+        <p:txBody>
+          <a:bodyPr/>
+          <a:lstStyle/>
+          <a:p>
+            <a:r>
+              <a:rPr lang="en-US" dirty="0"/>
+              <a:t>Modify service provider</a:t>
+            </a:r>
+          </a:p>
+        </p:txBody>
+      </p:sp>
+      <p:sp>
+        <p:nvSpPr>
+          <p:cNvPr id="3" name="Content Placeholder 2">
+            <a:extLst>
+              <a:ext uri="{FF2B5EF4-FFF2-40B4-BE49-F238E27FC236}">
+                <a16:creationId xmlns:a16="http://schemas.microsoft.com/office/drawing/2014/main" id="{F0930161-8A19-37F6-4A7E-3E95B9D58358}"/>
+              </a:ext>
+            </a:extLst>
+          </p:cNvPr>
+          <p:cNvSpPr>
+            <a:spLocks noGrp="1"/>
+          </p:cNvSpPr>
+          <p:nvPr>
+            <p:ph idx="1"/>
+          </p:nvPr>
+        </p:nvSpPr>
+        <p:spPr/>
+        <p:txBody>
+          <a:bodyPr/>
+          <a:lstStyle/>
+          <a:p>
+            <a:endParaRPr lang="en-US"/>
+          </a:p>
+        </p:txBody>
+      </p:sp>
+    </p:spTree>
+    <p:extLst>
+      <p:ext uri="{BB962C8B-B14F-4D97-AF65-F5344CB8AC3E}">
+        <p14:creationId xmlns:p14="http://schemas.microsoft.com/office/powerpoint/2010/main" val="4032715547"/>
+      </p:ext>
+    </p:extLst>
+  </p:cSld>
+  <p:clrMapOvr>
+    <a:masterClrMapping/>
+  </p:clrMapOvr>
+</p:sld>
+</file>
+
+<file path=ppt/slides/slide7.xml><?xml version="1.0" encoding="utf-8"?>
+<p:sld xmlns:a="http://schemas.openxmlformats.org/drawingml/2006/main" xmlns:r="http://schemas.openxmlformats.org/officeDocument/2006/relationships" xmlns:p="http://schemas.openxmlformats.org/presentationml/2006/main">
+  <p:cSld>
+    <p:spTree>
+      <p:nvGrpSpPr>
+        <p:cNvPr id="1" name=""/>
+        <p:cNvGrpSpPr/>
+        <p:nvPr/>
+      </p:nvGrpSpPr>
+      <p:grpSpPr>
+        <a:xfrm>
+          <a:off x="0" y="0"/>
+          <a:ext cx="0" cy="0"/>
+          <a:chOff x="0" y="0"/>
+          <a:chExt cx="0" cy="0"/>
+        </a:xfrm>
+      </p:grpSpPr>
+      <p:sp>
+        <p:nvSpPr>
+          <p:cNvPr id="2" name="Title 1">
+            <a:extLst>
+              <a:ext uri="{FF2B5EF4-FFF2-40B4-BE49-F238E27FC236}">
                 <a16:creationId xmlns:a16="http://schemas.microsoft.com/office/drawing/2014/main" id="{A9561255-44C2-F7C6-DC91-8A3240328CFA}"/>
               </a:ext>
             </a:extLst>
@@ -6175,7 +6380,7 @@
 </p:sld>
 </file>
 
-<file path=ppt/slides/slide6.xml><?xml version="1.0" encoding="utf-8"?>
+<file path=ppt/slides/slide8.xml><?xml version="1.0" encoding="utf-8"?>
 <p:sld xmlns:a="http://schemas.openxmlformats.org/drawingml/2006/main" xmlns:r="http://schemas.openxmlformats.org/officeDocument/2006/relationships" xmlns:p="http://schemas.openxmlformats.org/presentationml/2006/main">
   <p:cSld>
     <p:spTree>
